--- a/Police Killings EDA Tableau.pptx
+++ b/Police Killings EDA Tableau.pptx
@@ -3327,7 +3327,7 @@
           <p:cNvPr id="0" name="slide1">
             <a:extLst>
               <a:ext uri="{FF2B5EF4-FFF2-40B4-BE49-F238E27FC236}">
-                <a16:creationId xmlns:a16="http://schemas.microsoft.com/office/drawing/2014/main" id="{AF7A0473-EEDB-416E-8FBB-02364A03B3E4}"/>
+                <a16:creationId xmlns:a16="http://schemas.microsoft.com/office/drawing/2014/main" id="{A2268DAB-72E6-45F8-9679-8CC2419699DD}"/>
               </a:ext>
             </a:extLst>
           </p:cNvPr>
@@ -3355,7 +3355,7 @@
           <p:cNvPr id="1" name="slide1">
             <a:extLst>
               <a:ext uri="{FF2B5EF4-FFF2-40B4-BE49-F238E27FC236}">
-                <a16:creationId xmlns:a16="http://schemas.microsoft.com/office/drawing/2014/main" id="{3A7B1891-D934-4AB5-922E-E58911B776B5}"/>
+                <a16:creationId xmlns:a16="http://schemas.microsoft.com/office/drawing/2014/main" id="{C2AF6A85-6EA7-4E17-9D75-4A76F9B4E305}"/>
               </a:ext>
             </a:extLst>
           </p:cNvPr>
@@ -3373,7 +3373,7 @@
           <a:p>
             <a:r>
               <a:rPr/>
-              <a:t>File created on: 16/08/2021 2:15:33 PM GMT+01:00</a:t>
+              <a:t>File created on: 16/08/2021 3:00:45 PM GMT+01:00</a:t>
             </a:r>
           </a:p>
         </p:txBody>
@@ -3413,7 +3413,7 @@
           <p:cNvPr descr="Police Killings In The US Dashboard" id="2" name="slide2">
             <a:extLst>
               <a:ext uri="{FF2B5EF4-FFF2-40B4-BE49-F238E27FC236}">
-                <a16:creationId xmlns:a16="http://schemas.microsoft.com/office/drawing/2014/main" id="{3E52C6C9-BC4C-4336-8F70-BE8959C507F2}"/>
+                <a16:creationId xmlns:a16="http://schemas.microsoft.com/office/drawing/2014/main" id="{6510FE0D-303B-4AD9-83A6-8F6B10C18FD2}"/>
               </a:ext>
             </a:extLst>
           </p:cNvPr>
